--- a/Marketing/Präsentation_T-Shirts.pptx
+++ b/Marketing/Präsentation_T-Shirts.pptx
@@ -3215,7 +3215,7 @@
         </p:blipFill>
         <p:spPr>
           <a:xfrm>
-            <a:off x="5593301" y="1471810"/>
+            <a:off x="5571049" y="1805973"/>
             <a:ext cx="1509035" cy="1756895"/>
           </a:xfrm>
           <a:prstGeom prst="rect">
@@ -3469,7 +3469,7 @@
           <p:nvPr/>
         </p:nvPicPr>
         <p:blipFill rotWithShape="1">
-          <a:blip r:embed="rId6">
+          <a:blip r:embed="rId6" cstate="print">
             <a:extLst>
               <a:ext uri="{28A0092B-C50C-407E-A947-70E740481C1C}">
                 <a14:useLocalDpi xmlns:a14="http://schemas.microsoft.com/office/drawing/2010/main" val="0"/>
@@ -3498,7 +3498,7 @@
           <p:nvPr/>
         </p:nvPicPr>
         <p:blipFill rotWithShape="1">
-          <a:blip r:embed="rId6">
+          <a:blip r:embed="rId7" cstate="print">
             <a:extLst>
               <a:ext uri="{28A0092B-C50C-407E-A947-70E740481C1C}">
                 <a14:useLocalDpi xmlns:a14="http://schemas.microsoft.com/office/drawing/2010/main" val="0"/>
